--- a/docs/diagrams/StorageComponentClassDiagram.pptx
+++ b/docs/diagrams/StorageComponentClassDiagram.pptx
@@ -208,7 +208,7 @@
           <a:p>
             <a:fld id="{F5CC4B3F-88C1-4FFA-B1B6-F41C21DC6924}" type="datetimeFigureOut">
               <a:rPr lang="en-US" smtClean="0"/>
-              <a:t>12/1/2018</a:t>
+              <a:t>4/2/2019</a:t>
             </a:fld>
             <a:endParaRPr lang="en-US"/>
           </a:p>
@@ -654,7 +654,7 @@
           <a:p>
             <a:fld id="{78C97017-6FC3-485B-9764-EAC9E56C1D49}" type="datetimeFigureOut">
               <a:rPr lang="en-US" smtClean="0"/>
-              <a:t>12/1/2018</a:t>
+              <a:t>4/2/2019</a:t>
             </a:fld>
             <a:endParaRPr lang="en-US"/>
           </a:p>
@@ -822,7 +822,7 @@
           <a:p>
             <a:fld id="{78C97017-6FC3-485B-9764-EAC9E56C1D49}" type="datetimeFigureOut">
               <a:rPr lang="en-US" smtClean="0"/>
-              <a:t>12/1/2018</a:t>
+              <a:t>4/2/2019</a:t>
             </a:fld>
             <a:endParaRPr lang="en-US"/>
           </a:p>
@@ -1000,7 +1000,7 @@
           <a:p>
             <a:fld id="{78C97017-6FC3-485B-9764-EAC9E56C1D49}" type="datetimeFigureOut">
               <a:rPr lang="en-US" smtClean="0"/>
-              <a:t>12/1/2018</a:t>
+              <a:t>4/2/2019</a:t>
             </a:fld>
             <a:endParaRPr lang="en-US"/>
           </a:p>
@@ -1168,7 +1168,7 @@
           <a:p>
             <a:fld id="{78C97017-6FC3-485B-9764-EAC9E56C1D49}" type="datetimeFigureOut">
               <a:rPr lang="en-US" smtClean="0"/>
-              <a:t>12/1/2018</a:t>
+              <a:t>4/2/2019</a:t>
             </a:fld>
             <a:endParaRPr lang="en-US"/>
           </a:p>
@@ -1413,7 +1413,7 @@
           <a:p>
             <a:fld id="{78C97017-6FC3-485B-9764-EAC9E56C1D49}" type="datetimeFigureOut">
               <a:rPr lang="en-US" smtClean="0"/>
-              <a:t>12/1/2018</a:t>
+              <a:t>4/2/2019</a:t>
             </a:fld>
             <a:endParaRPr lang="en-US"/>
           </a:p>
@@ -1698,7 +1698,7 @@
           <a:p>
             <a:fld id="{78C97017-6FC3-485B-9764-EAC9E56C1D49}" type="datetimeFigureOut">
               <a:rPr lang="en-US" smtClean="0"/>
-              <a:t>12/1/2018</a:t>
+              <a:t>4/2/2019</a:t>
             </a:fld>
             <a:endParaRPr lang="en-US"/>
           </a:p>
@@ -2117,7 +2117,7 @@
           <a:p>
             <a:fld id="{78C97017-6FC3-485B-9764-EAC9E56C1D49}" type="datetimeFigureOut">
               <a:rPr lang="en-US" smtClean="0"/>
-              <a:t>12/1/2018</a:t>
+              <a:t>4/2/2019</a:t>
             </a:fld>
             <a:endParaRPr lang="en-US"/>
           </a:p>
@@ -2234,7 +2234,7 @@
           <a:p>
             <a:fld id="{78C97017-6FC3-485B-9764-EAC9E56C1D49}" type="datetimeFigureOut">
               <a:rPr lang="en-US" smtClean="0"/>
-              <a:t>12/1/2018</a:t>
+              <a:t>4/2/2019</a:t>
             </a:fld>
             <a:endParaRPr lang="en-US"/>
           </a:p>
@@ -2329,7 +2329,7 @@
           <a:p>
             <a:fld id="{78C97017-6FC3-485B-9764-EAC9E56C1D49}" type="datetimeFigureOut">
               <a:rPr lang="en-US" smtClean="0"/>
-              <a:t>12/1/2018</a:t>
+              <a:t>4/2/2019</a:t>
             </a:fld>
             <a:endParaRPr lang="en-US"/>
           </a:p>
@@ -2604,7 +2604,7 @@
           <a:p>
             <a:fld id="{78C97017-6FC3-485B-9764-EAC9E56C1D49}" type="datetimeFigureOut">
               <a:rPr lang="en-US" smtClean="0"/>
-              <a:t>12/1/2018</a:t>
+              <a:t>4/2/2019</a:t>
             </a:fld>
             <a:endParaRPr lang="en-US"/>
           </a:p>
@@ -2856,7 +2856,7 @@
           <a:p>
             <a:fld id="{78C97017-6FC3-485B-9764-EAC9E56C1D49}" type="datetimeFigureOut">
               <a:rPr lang="en-US" smtClean="0"/>
-              <a:t>12/1/2018</a:t>
+              <a:t>4/2/2019</a:t>
             </a:fld>
             <a:endParaRPr lang="en-US"/>
           </a:p>
@@ -3067,7 +3067,7 @@
           <a:p>
             <a:fld id="{78C97017-6FC3-485B-9764-EAC9E56C1D49}" type="datetimeFigureOut">
               <a:rPr lang="en-US" smtClean="0"/>
-              <a:t>12/1/2018</a:t>
+              <a:t>4/2/2019</a:t>
             </a:fld>
             <a:endParaRPr lang="en-US"/>
           </a:p>
@@ -3451,7 +3451,7 @@
         <p:spPr>
           <a:xfrm>
             <a:off x="1119865" y="2086382"/>
-            <a:ext cx="7871735" cy="1723618"/>
+            <a:ext cx="7871735" cy="2482758"/>
           </a:xfrm>
           <a:prstGeom prst="roundRect">
             <a:avLst>
@@ -3575,7 +3575,7 @@
                   <a:schemeClr val="bg1"/>
                 </a:solidFill>
               </a:rPr>
-              <a:t>AddressBookStorage</a:t>
+              <a:t>EntryBookStorage</a:t>
             </a:r>
             <a:endParaRPr lang="en-SG" sz="1050" dirty="0">
               <a:solidFill>
@@ -3593,8 +3593,8 @@
         </p:nvSpPr>
         <p:spPr>
           <a:xfrm rot="16200000">
-            <a:off x="1683963" y="2868687"/>
-            <a:ext cx="1093635" cy="346760"/>
+            <a:off x="1382906" y="3169744"/>
+            <a:ext cx="1695749" cy="346760"/>
           </a:xfrm>
           <a:prstGeom prst="rect">
             <a:avLst/>
@@ -3656,8 +3656,8 @@
         </p:nvSpPr>
         <p:spPr>
           <a:xfrm rot="16200000">
-            <a:off x="956202" y="2861202"/>
-            <a:ext cx="1093635" cy="346760"/>
+            <a:off x="651403" y="3166001"/>
+            <a:ext cx="1703234" cy="346760"/>
           </a:xfrm>
           <a:prstGeom prst="rect">
             <a:avLst/>
@@ -4148,7 +4148,7 @@
                   </a:schemeClr>
                 </a:solidFill>
               </a:rPr>
-              <a:t>JsonAddressBook</a:t>
+              <a:t>JsonEntryBook</a:t>
             </a:r>
             <a:br>
               <a:rPr lang="en-US" sz="1050" b="1" dirty="0">
@@ -4593,7 +4593,7 @@
                   </a:schemeClr>
                 </a:solidFill>
               </a:rPr>
-              <a:t>AddressBook</a:t>
+              <a:t>EntryBook</a:t>
             </a:r>
             <a:endParaRPr lang="en-SG" sz="1050" b="1" dirty="0">
               <a:solidFill>
@@ -4747,7 +4747,7 @@
                   </a:schemeClr>
                 </a:solidFill>
               </a:rPr>
-              <a:t>JsonAdaptedPerson</a:t>
+              <a:t>JsonAdaptedEntry</a:t>
             </a:r>
             <a:endParaRPr lang="en-SG" sz="1030" b="1" dirty="0">
               <a:solidFill>
@@ -4800,6 +4800,514 @@
           </a:fontRef>
         </p:style>
       </p:cxnSp>
+      <p:sp>
+        <p:nvSpPr>
+          <p:cNvPr id="26" name="Rectangle 8">
+            <a:extLst>
+              <a:ext uri="{FF2B5EF4-FFF2-40B4-BE49-F238E27FC236}">
+                <a16:creationId xmlns:a16="http://schemas.microsoft.com/office/drawing/2014/main" id="{6D467E5C-14E7-487C-AD02-F73CF1EE1B2E}"/>
+              </a:ext>
+            </a:extLst>
+          </p:cNvPr>
+          <p:cNvSpPr/>
+          <p:nvPr/>
+        </p:nvSpPr>
+        <p:spPr>
+          <a:xfrm>
+            <a:off x="2873943" y="3720713"/>
+            <a:ext cx="1323049" cy="346760"/>
+          </a:xfrm>
+          <a:prstGeom prst="rect">
+            <a:avLst/>
+          </a:prstGeom>
+          <a:solidFill>
+            <a:schemeClr val="accent6">
+              <a:lumMod val="75000"/>
+            </a:schemeClr>
+          </a:solidFill>
+          <a:ln w="19050">
+            <a:solidFill>
+              <a:schemeClr val="accent6">
+                <a:lumMod val="75000"/>
+              </a:schemeClr>
+            </a:solidFill>
+          </a:ln>
+          <a:effectLst/>
+        </p:spPr>
+        <p:style>
+          <a:lnRef idx="1">
+            <a:schemeClr val="accent2"/>
+          </a:lnRef>
+          <a:fillRef idx="2">
+            <a:schemeClr val="accent2"/>
+          </a:fillRef>
+          <a:effectRef idx="1">
+            <a:schemeClr val="accent2"/>
+          </a:effectRef>
+          <a:fontRef idx="minor">
+            <a:schemeClr val="dk1"/>
+          </a:fontRef>
+        </p:style>
+        <p:txBody>
+          <a:bodyPr rtlCol="0" anchor="ctr"/>
+          <a:lstStyle/>
+          <a:p>
+            <a:pPr algn="ctr"/>
+            <a:r>
+              <a:rPr lang="en-US" sz="1050" dirty="0">
+                <a:solidFill>
+                  <a:schemeClr val="bg1"/>
+                </a:solidFill>
+              </a:rPr>
+              <a:t>&lt;&lt;interface&gt;&gt;</a:t>
+            </a:r>
+            <a:br>
+              <a:rPr lang="en-US" sz="1050" dirty="0">
+                <a:solidFill>
+                  <a:schemeClr val="bg1"/>
+                </a:solidFill>
+              </a:rPr>
+            </a:br>
+            <a:r>
+              <a:rPr lang="en-US" sz="1050" dirty="0" err="1">
+                <a:solidFill>
+                  <a:schemeClr val="bg1"/>
+                </a:solidFill>
+              </a:rPr>
+              <a:t>ArticleStorage</a:t>
+            </a:r>
+            <a:endParaRPr lang="en-SG" sz="1050" dirty="0">
+              <a:solidFill>
+                <a:schemeClr val="bg1"/>
+              </a:solidFill>
+            </a:endParaRPr>
+          </a:p>
+        </p:txBody>
+      </p:sp>
+      <p:cxnSp>
+        <p:nvCxnSpPr>
+          <p:cNvPr id="27" name="Straight Arrow Connector 26">
+            <a:extLst>
+              <a:ext uri="{FF2B5EF4-FFF2-40B4-BE49-F238E27FC236}">
+                <a16:creationId xmlns:a16="http://schemas.microsoft.com/office/drawing/2014/main" id="{A3B1FDB6-8AD9-4F9C-B2D1-B07C1ABFB8CC}"/>
+              </a:ext>
+            </a:extLst>
+          </p:cNvPr>
+          <p:cNvCxnSpPr>
+            <a:stCxn id="28" idx="3"/>
+            <a:endCxn id="26" idx="1"/>
+          </p:cNvCxnSpPr>
+          <p:nvPr/>
+        </p:nvCxnSpPr>
+        <p:spPr>
+          <a:xfrm>
+            <a:off x="2653133" y="3888809"/>
+            <a:ext cx="220810" cy="5284"/>
+          </a:xfrm>
+          <a:prstGeom prst="straightConnector1">
+            <a:avLst/>
+          </a:prstGeom>
+          <a:ln w="19050">
+            <a:solidFill>
+              <a:schemeClr val="accent6">
+                <a:lumMod val="75000"/>
+              </a:schemeClr>
+            </a:solidFill>
+            <a:headEnd type="none" w="med" len="med"/>
+            <a:tailEnd type="arrow" w="med" len="med"/>
+          </a:ln>
+          <a:effectLst/>
+        </p:spPr>
+        <p:style>
+          <a:lnRef idx="1">
+            <a:schemeClr val="accent2"/>
+          </a:lnRef>
+          <a:fillRef idx="2">
+            <a:schemeClr val="accent2"/>
+          </a:fillRef>
+          <a:effectRef idx="1">
+            <a:schemeClr val="accent2"/>
+          </a:effectRef>
+          <a:fontRef idx="minor">
+            <a:schemeClr val="dk1"/>
+          </a:fontRef>
+        </p:style>
+      </p:cxnSp>
+      <p:sp>
+        <p:nvSpPr>
+          <p:cNvPr id="28" name="Flowchart: Decision 96">
+            <a:extLst>
+              <a:ext uri="{FF2B5EF4-FFF2-40B4-BE49-F238E27FC236}">
+                <a16:creationId xmlns:a16="http://schemas.microsoft.com/office/drawing/2014/main" id="{6FB55475-7618-47ED-9C22-CB46B592F0FB}"/>
+              </a:ext>
+            </a:extLst>
+          </p:cNvPr>
+          <p:cNvSpPr/>
+          <p:nvPr/>
+        </p:nvSpPr>
+        <p:spPr>
+          <a:xfrm>
+            <a:off x="2417085" y="3802119"/>
+            <a:ext cx="236048" cy="173380"/>
+          </a:xfrm>
+          <a:prstGeom prst="flowChartDecision">
+            <a:avLst/>
+          </a:prstGeom>
+          <a:noFill/>
+          <a:ln w="19050">
+            <a:solidFill>
+              <a:schemeClr val="accent6">
+                <a:lumMod val="75000"/>
+              </a:schemeClr>
+            </a:solidFill>
+          </a:ln>
+          <a:effectLst/>
+        </p:spPr>
+        <p:style>
+          <a:lnRef idx="1">
+            <a:schemeClr val="accent2"/>
+          </a:lnRef>
+          <a:fillRef idx="2">
+            <a:schemeClr val="accent2"/>
+          </a:fillRef>
+          <a:effectRef idx="1">
+            <a:schemeClr val="accent2"/>
+          </a:effectRef>
+          <a:fontRef idx="minor">
+            <a:schemeClr val="dk1"/>
+          </a:fontRef>
+        </p:style>
+        <p:txBody>
+          <a:bodyPr rtlCol="0" anchor="ctr"/>
+          <a:lstStyle/>
+          <a:p>
+            <a:pPr algn="ctr"/>
+            <a:endParaRPr lang="en-US" sz="1050">
+              <a:solidFill>
+                <a:schemeClr val="bg1"/>
+              </a:solidFill>
+            </a:endParaRPr>
+          </a:p>
+        </p:txBody>
+      </p:sp>
+      <p:cxnSp>
+        <p:nvCxnSpPr>
+          <p:cNvPr id="29" name="Elbow Connector 63">
+            <a:extLst>
+              <a:ext uri="{FF2B5EF4-FFF2-40B4-BE49-F238E27FC236}">
+                <a16:creationId xmlns:a16="http://schemas.microsoft.com/office/drawing/2014/main" id="{72A8A347-6278-4FEE-9F5E-E04F87CC7EAF}"/>
+              </a:ext>
+            </a:extLst>
+          </p:cNvPr>
+          <p:cNvCxnSpPr>
+            <a:stCxn id="30" idx="3"/>
+            <a:endCxn id="31" idx="1"/>
+          </p:cNvCxnSpPr>
+          <p:nvPr/>
+        </p:nvCxnSpPr>
+        <p:spPr>
+          <a:xfrm flipV="1">
+            <a:off x="4394804" y="3894093"/>
+            <a:ext cx="223324" cy="1"/>
+          </a:xfrm>
+          <a:prstGeom prst="bentConnector3">
+            <a:avLst>
+              <a:gd name="adj1" fmla="val 50000"/>
+            </a:avLst>
+          </a:prstGeom>
+          <a:ln w="19050">
+            <a:solidFill>
+              <a:schemeClr val="accent6">
+                <a:lumMod val="75000"/>
+              </a:schemeClr>
+            </a:solidFill>
+            <a:prstDash val="sysDot"/>
+            <a:headEnd type="none" w="med" len="med"/>
+            <a:tailEnd type="none" w="med" len="med"/>
+          </a:ln>
+          <a:effectLst/>
+        </p:spPr>
+        <p:style>
+          <a:lnRef idx="1">
+            <a:schemeClr val="accent2"/>
+          </a:lnRef>
+          <a:fillRef idx="2">
+            <a:schemeClr val="accent2"/>
+          </a:fillRef>
+          <a:effectRef idx="1">
+            <a:schemeClr val="accent2"/>
+          </a:effectRef>
+          <a:fontRef idx="minor">
+            <a:schemeClr val="dk1"/>
+          </a:fontRef>
+        </p:style>
+      </p:cxnSp>
+      <p:sp>
+        <p:nvSpPr>
+          <p:cNvPr id="30" name="Isosceles Triangle 102">
+            <a:extLst>
+              <a:ext uri="{FF2B5EF4-FFF2-40B4-BE49-F238E27FC236}">
+                <a16:creationId xmlns:a16="http://schemas.microsoft.com/office/drawing/2014/main" id="{91ED47D6-A694-423D-837B-A6FAEABFCEF2}"/>
+              </a:ext>
+            </a:extLst>
+          </p:cNvPr>
+          <p:cNvSpPr/>
+          <p:nvPr/>
+        </p:nvSpPr>
+        <p:spPr>
+          <a:xfrm rot="5400000" flipV="1">
+            <a:off x="4171790" y="3806332"/>
+            <a:ext cx="270504" cy="175523"/>
+          </a:xfrm>
+          <a:prstGeom prst="triangle">
+            <a:avLst/>
+          </a:prstGeom>
+          <a:solidFill>
+            <a:schemeClr val="accent6">
+              <a:lumMod val="75000"/>
+            </a:schemeClr>
+          </a:solidFill>
+          <a:ln w="19050">
+            <a:solidFill>
+              <a:schemeClr val="accent6">
+                <a:lumMod val="75000"/>
+              </a:schemeClr>
+            </a:solidFill>
+          </a:ln>
+          <a:effectLst/>
+        </p:spPr>
+        <p:style>
+          <a:lnRef idx="1">
+            <a:schemeClr val="accent2"/>
+          </a:lnRef>
+          <a:fillRef idx="2">
+            <a:schemeClr val="accent2"/>
+          </a:fillRef>
+          <a:effectRef idx="1">
+            <a:schemeClr val="accent2"/>
+          </a:effectRef>
+          <a:fontRef idx="minor">
+            <a:schemeClr val="dk1"/>
+          </a:fontRef>
+        </p:style>
+        <p:txBody>
+          <a:bodyPr rtlCol="0" anchor="ctr"/>
+          <a:lstStyle/>
+          <a:p>
+            <a:pPr algn="ctr"/>
+            <a:endParaRPr lang="en-SG" sz="1050">
+              <a:solidFill>
+                <a:schemeClr val="bg1"/>
+              </a:solidFill>
+            </a:endParaRPr>
+          </a:p>
+        </p:txBody>
+      </p:sp>
+      <p:sp>
+        <p:nvSpPr>
+          <p:cNvPr id="31" name="Rectangle 8">
+            <a:extLst>
+              <a:ext uri="{FF2B5EF4-FFF2-40B4-BE49-F238E27FC236}">
+                <a16:creationId xmlns:a16="http://schemas.microsoft.com/office/drawing/2014/main" id="{0FED571F-5BB8-44EB-A789-396D0B27E03C}"/>
+              </a:ext>
+            </a:extLst>
+          </p:cNvPr>
+          <p:cNvSpPr/>
+          <p:nvPr/>
+        </p:nvSpPr>
+        <p:spPr>
+          <a:xfrm>
+            <a:off x="4618128" y="3720713"/>
+            <a:ext cx="1169835" cy="346760"/>
+          </a:xfrm>
+          <a:prstGeom prst="rect">
+            <a:avLst/>
+          </a:prstGeom>
+          <a:ln w="19050"/>
+          <a:effectLst/>
+        </p:spPr>
+        <p:style>
+          <a:lnRef idx="1">
+            <a:schemeClr val="accent6"/>
+          </a:lnRef>
+          <a:fillRef idx="2">
+            <a:schemeClr val="accent6"/>
+          </a:fillRef>
+          <a:effectRef idx="1">
+            <a:schemeClr val="accent6"/>
+          </a:effectRef>
+          <a:fontRef idx="minor">
+            <a:schemeClr val="dk1"/>
+          </a:fontRef>
+        </p:style>
+        <p:txBody>
+          <a:bodyPr rtlCol="0" anchor="ctr"/>
+          <a:lstStyle/>
+          <a:p>
+            <a:pPr algn="ctr"/>
+            <a:r>
+              <a:rPr lang="en-US" sz="1050" b="1" dirty="0" err="1">
+                <a:solidFill>
+                  <a:schemeClr val="accent6">
+                    <a:lumMod val="75000"/>
+                  </a:schemeClr>
+                </a:solidFill>
+              </a:rPr>
+              <a:t>DataDirectory</a:t>
+            </a:r>
+            <a:r>
+              <a:rPr lang="en-US" sz="1050" b="1" dirty="0">
+                <a:solidFill>
+                  <a:schemeClr val="accent6">
+                    <a:lumMod val="75000"/>
+                  </a:schemeClr>
+                </a:solidFill>
+              </a:rPr>
+              <a:t> </a:t>
+            </a:r>
+            <a:r>
+              <a:rPr lang="en-US" sz="1050" b="1" dirty="0" err="1">
+                <a:solidFill>
+                  <a:schemeClr val="accent6">
+                    <a:lumMod val="75000"/>
+                  </a:schemeClr>
+                </a:solidFill>
+              </a:rPr>
+              <a:t>ArticleStorage</a:t>
+            </a:r>
+            <a:endParaRPr lang="en-SG" sz="1050" b="1" dirty="0">
+              <a:solidFill>
+                <a:schemeClr val="accent6">
+                  <a:lumMod val="75000"/>
+                </a:schemeClr>
+              </a:solidFill>
+            </a:endParaRPr>
+          </a:p>
+        </p:txBody>
+      </p:sp>
+      <p:sp>
+        <p:nvSpPr>
+          <p:cNvPr id="3" name="TextBox 2">
+            <a:extLst>
+              <a:ext uri="{FF2B5EF4-FFF2-40B4-BE49-F238E27FC236}">
+                <a16:creationId xmlns:a16="http://schemas.microsoft.com/office/drawing/2014/main" id="{9A8AE38E-8A8C-4849-94B3-EA362E7465F8}"/>
+              </a:ext>
+            </a:extLst>
+          </p:cNvPr>
+          <p:cNvSpPr txBox="1"/>
+          <p:nvPr/>
+        </p:nvSpPr>
+        <p:spPr>
+          <a:xfrm>
+            <a:off x="2650619" y="2467996"/>
+            <a:ext cx="154176" cy="253916"/>
+          </a:xfrm>
+          <a:prstGeom prst="rect">
+            <a:avLst/>
+          </a:prstGeom>
+          <a:noFill/>
+        </p:spPr>
+        <p:txBody>
+          <a:bodyPr wrap="square" rtlCol="0">
+            <a:spAutoFit/>
+          </a:bodyPr>
+          <a:lstStyle/>
+          <a:p>
+            <a:r>
+              <a:rPr lang="en-SG" sz="1050" dirty="0">
+                <a:solidFill>
+                  <a:schemeClr val="accent6">
+                    <a:lumMod val="75000"/>
+                  </a:schemeClr>
+                </a:solidFill>
+              </a:rPr>
+              <a:t>1</a:t>
+            </a:r>
+          </a:p>
+        </p:txBody>
+      </p:sp>
+      <p:sp>
+        <p:nvSpPr>
+          <p:cNvPr id="35" name="TextBox 34">
+            <a:extLst>
+              <a:ext uri="{FF2B5EF4-FFF2-40B4-BE49-F238E27FC236}">
+                <a16:creationId xmlns:a16="http://schemas.microsoft.com/office/drawing/2014/main" id="{F369D12D-B948-4A50-9DB3-356D16428DA4}"/>
+              </a:ext>
+            </a:extLst>
+          </p:cNvPr>
+          <p:cNvSpPr txBox="1"/>
+          <p:nvPr/>
+        </p:nvSpPr>
+        <p:spPr>
+          <a:xfrm>
+            <a:off x="2659370" y="3072620"/>
+            <a:ext cx="154176" cy="253916"/>
+          </a:xfrm>
+          <a:prstGeom prst="rect">
+            <a:avLst/>
+          </a:prstGeom>
+          <a:noFill/>
+        </p:spPr>
+        <p:txBody>
+          <a:bodyPr wrap="square" rtlCol="0">
+            <a:spAutoFit/>
+          </a:bodyPr>
+          <a:lstStyle/>
+          <a:p>
+            <a:r>
+              <a:rPr lang="en-SG" sz="1050" dirty="0">
+                <a:solidFill>
+                  <a:schemeClr val="accent6">
+                    <a:lumMod val="75000"/>
+                  </a:schemeClr>
+                </a:solidFill>
+              </a:rPr>
+              <a:t>4</a:t>
+            </a:r>
+          </a:p>
+        </p:txBody>
+      </p:sp>
+      <p:sp>
+        <p:nvSpPr>
+          <p:cNvPr id="36" name="TextBox 35">
+            <a:extLst>
+              <a:ext uri="{FF2B5EF4-FFF2-40B4-BE49-F238E27FC236}">
+                <a16:creationId xmlns:a16="http://schemas.microsoft.com/office/drawing/2014/main" id="{4C5CDBE5-7B99-4C43-A359-E2A4698E0BE8}"/>
+              </a:ext>
+            </a:extLst>
+          </p:cNvPr>
+          <p:cNvSpPr txBox="1"/>
+          <p:nvPr/>
+        </p:nvSpPr>
+        <p:spPr>
+          <a:xfrm>
+            <a:off x="2659370" y="3629609"/>
+            <a:ext cx="154176" cy="253916"/>
+          </a:xfrm>
+          <a:prstGeom prst="rect">
+            <a:avLst/>
+          </a:prstGeom>
+          <a:noFill/>
+        </p:spPr>
+        <p:txBody>
+          <a:bodyPr wrap="square" rtlCol="0">
+            <a:spAutoFit/>
+          </a:bodyPr>
+          <a:lstStyle/>
+          <a:p>
+            <a:r>
+              <a:rPr lang="en-SG" sz="1050" dirty="0">
+                <a:solidFill>
+                  <a:schemeClr val="accent6">
+                    <a:lumMod val="75000"/>
+                  </a:schemeClr>
+                </a:solidFill>
+              </a:rPr>
+              <a:t>1</a:t>
+            </a:r>
+          </a:p>
+        </p:txBody>
+      </p:sp>
     </p:spTree>
     <p:extLst>
       <p:ext uri="{BB962C8B-B14F-4D97-AF65-F5344CB8AC3E}">

--- a/docs/diagrams/StorageComponentClassDiagram.pptx
+++ b/docs/diagrams/StorageComponentClassDiagram.pptx
@@ -5262,7 +5262,7 @@
                   </a:schemeClr>
                 </a:solidFill>
               </a:rPr>
-              <a:t>4</a:t>
+              <a:t>3</a:t>
             </a:r>
           </a:p>
         </p:txBody>
